--- a/UTDABC_Proj1_Presentation.pptx
+++ b/UTDABC_Proj1_Presentation.pptx
@@ -111,6 +111,11 @@
       </a:defRPr>
     </a:lvl9pPr>
   </p:defaultTextStyle>
+  <p:extLst>
+    <p:ext uri="{EFAFB233-063F-42B5-8137-9DF3F51BA10A}">
+      <p15:sldGuideLst xmlns:p15="http://schemas.microsoft.com/office/powerpoint/2012/main"/>
+    </p:ext>
+  </p:extLst>
 </p:presentation>
 </file>
 
@@ -4207,42 +4212,6 @@
           </a:extLst>
         </p:spPr>
       </p:pic>
-      <p:pic>
-        <p:nvPicPr>
-          <p:cNvPr id="5" name="Picture 4" descr="Chart, radar chart">
-            <a:extLst>
-              <a:ext uri="{FF2B5EF4-FFF2-40B4-BE49-F238E27FC236}">
-                <a16:creationId xmlns:a16="http://schemas.microsoft.com/office/drawing/2014/main" id="{62FD8206-CA23-CB74-3A8D-1C2B19E54604}"/>
-              </a:ext>
-            </a:extLst>
-          </p:cNvPr>
-          <p:cNvPicPr>
-            <a:picLocks noChangeAspect="1"/>
-          </p:cNvPicPr>
-          <p:nvPr/>
-        </p:nvPicPr>
-        <p:blipFill>
-          <a:blip r:embed="rId3">
-            <a:extLst>
-              <a:ext uri="{28A0092B-C50C-407E-A947-70E740481C1C}">
-                <a14:useLocalDpi xmlns:a14="http://schemas.microsoft.com/office/drawing/2010/main" val="0"/>
-              </a:ext>
-            </a:extLst>
-          </a:blip>
-          <a:stretch>
-            <a:fillRect/>
-          </a:stretch>
-        </p:blipFill>
-        <p:spPr>
-          <a:xfrm>
-            <a:off x="166254" y="232558"/>
-            <a:ext cx="8950035" cy="6392883"/>
-          </a:xfrm>
-          <a:prstGeom prst="rect">
-            <a:avLst/>
-          </a:prstGeom>
-        </p:spPr>
-      </p:pic>
       <p:sp>
         <p:nvSpPr>
           <p:cNvPr id="8" name="Rectangle 7">
@@ -4297,6 +4266,42 @@
           </a:p>
         </p:txBody>
       </p:sp>
+      <p:pic>
+        <p:nvPicPr>
+          <p:cNvPr id="2" name="Picture 1" descr="Map">
+            <a:extLst>
+              <a:ext uri="{FF2B5EF4-FFF2-40B4-BE49-F238E27FC236}">
+                <a16:creationId xmlns:a16="http://schemas.microsoft.com/office/drawing/2014/main" id="{4BF5A083-9B1B-5FBA-A72E-78C4898F6F2E}"/>
+              </a:ext>
+            </a:extLst>
+          </p:cNvPr>
+          <p:cNvPicPr>
+            <a:picLocks noChangeAspect="1"/>
+          </p:cNvPicPr>
+          <p:nvPr/>
+        </p:nvPicPr>
+        <p:blipFill>
+          <a:blip r:embed="rId3">
+            <a:extLst>
+              <a:ext uri="{28A0092B-C50C-407E-A947-70E740481C1C}">
+                <a14:useLocalDpi xmlns:a14="http://schemas.microsoft.com/office/drawing/2010/main" val="0"/>
+              </a:ext>
+            </a:extLst>
+          </a:blip>
+          <a:stretch>
+            <a:fillRect/>
+          </a:stretch>
+        </p:blipFill>
+        <p:spPr>
+          <a:xfrm>
+            <a:off x="185304" y="260638"/>
+            <a:ext cx="8871412" cy="6336723"/>
+          </a:xfrm>
+          <a:prstGeom prst="rect">
+            <a:avLst/>
+          </a:prstGeom>
+        </p:spPr>
+      </p:pic>
     </p:spTree>
     <p:extLst>
       <p:ext uri="{BB962C8B-B14F-4D97-AF65-F5344CB8AC3E}">
